--- a/doc/ツール解説 for　Bird Recognizer With Song.pptx
+++ b/doc/ツール解説 for　Bird Recognizer With Song.pptx
@@ -29,9 +29,10 @@
     <p:sldId id="302" r:id="rId23"/>
     <p:sldId id="285" r:id="rId24"/>
     <p:sldId id="274" r:id="rId25"/>
-    <p:sldId id="260" r:id="rId26"/>
-    <p:sldId id="275" r:id="rId27"/>
-    <p:sldId id="282" r:id="rId28"/>
+    <p:sldId id="330" r:id="rId26"/>
+    <p:sldId id="260" r:id="rId27"/>
+    <p:sldId id="275" r:id="rId28"/>
+    <p:sldId id="282" r:id="rId29"/>
   </p:sldIdLst>
   <p:sldSz cx="9144000" cy="6858000" type="screen4x3"/>
   <p:notesSz cx="6858000" cy="9144000"/>
@@ -130,6 +131,22 @@
       </a:defRPr>
     </a:lvl9pPr>
   </p:defaultTextStyle>
+  <p:extLst>
+    <p:ext uri="{EFAFB233-063F-42B5-8137-9DF3F51BA10A}">
+      <p15:sldGuideLst xmlns:p15="http://schemas.microsoft.com/office/powerpoint/2012/main">
+        <p15:guide id="1" orient="horz" pos="2160">
+          <p15:clr>
+            <a:srgbClr val="A4A3A4"/>
+          </p15:clr>
+        </p15:guide>
+        <p15:guide id="2" pos="2880">
+          <p15:clr>
+            <a:srgbClr val="A4A3A4"/>
+          </p15:clr>
+        </p15:guide>
+      </p15:sldGuideLst>
+    </p:ext>
+  </p:extLst>
 </p:presentation>
 </file>
 
@@ -1945,7 +1962,7 @@
           <a:p>
             <a:fld id="{E90ED720-0104-4369-84BC-D37694168613}" type="datetimeFigureOut">
               <a:rPr kumimoji="1" lang="ja-JP" altLang="en-US" smtClean="0"/>
-              <a:t>2013/6/23</a:t>
+              <a:t>2017/3/5</a:t>
             </a:fld>
             <a:endParaRPr kumimoji="1" lang="ja-JP" altLang="en-US"/>
           </a:p>
@@ -2158,7 +2175,7 @@
           <a:p>
             <a:fld id="{E90ED720-0104-4369-84BC-D37694168613}" type="datetimeFigureOut">
               <a:rPr kumimoji="1" lang="ja-JP" altLang="en-US" smtClean="0"/>
-              <a:t>2013/6/23</a:t>
+              <a:t>2017/3/5</a:t>
             </a:fld>
             <a:endParaRPr kumimoji="1" lang="ja-JP" altLang="en-US"/>
           </a:p>
@@ -2309,7 +2326,7 @@
           <a:p>
             <a:fld id="{E90ED720-0104-4369-84BC-D37694168613}" type="datetimeFigureOut">
               <a:rPr kumimoji="1" lang="ja-JP" altLang="en-US" smtClean="0"/>
-              <a:t>2013/6/23</a:t>
+              <a:t>2017/3/5</a:t>
             </a:fld>
             <a:endParaRPr kumimoji="1" lang="ja-JP" altLang="en-US"/>
           </a:p>
@@ -4199,7 +4216,7 @@
           <a:p>
             <a:fld id="{E90ED720-0104-4369-84BC-D37694168613}" type="datetimeFigureOut">
               <a:rPr kumimoji="1" lang="ja-JP" altLang="en-US" smtClean="0"/>
-              <a:t>2013/6/23</a:t>
+              <a:t>2017/3/5</a:t>
             </a:fld>
             <a:endParaRPr kumimoji="1" lang="ja-JP" altLang="en-US"/>
           </a:p>
@@ -6069,7 +6086,7 @@
           <a:p>
             <a:fld id="{E90ED720-0104-4369-84BC-D37694168613}" type="datetimeFigureOut">
               <a:rPr kumimoji="1" lang="ja-JP" altLang="en-US" smtClean="0"/>
-              <a:t>2013/6/23</a:t>
+              <a:t>2017/3/5</a:t>
             </a:fld>
             <a:endParaRPr kumimoji="1" lang="ja-JP" altLang="en-US"/>
           </a:p>
@@ -6182,7 +6199,7 @@
           <a:p>
             <a:fld id="{E90ED720-0104-4369-84BC-D37694168613}" type="datetimeFigureOut">
               <a:rPr kumimoji="1" lang="ja-JP" altLang="en-US" smtClean="0"/>
-              <a:t>2013/6/23</a:t>
+              <a:t>2017/3/5</a:t>
             </a:fld>
             <a:endParaRPr kumimoji="1" lang="ja-JP" altLang="en-US"/>
           </a:p>
@@ -6851,7 +6868,7 @@
           <a:p>
             <a:fld id="{E90ED720-0104-4369-84BC-D37694168613}" type="datetimeFigureOut">
               <a:rPr kumimoji="1" lang="ja-JP" altLang="en-US" smtClean="0"/>
-              <a:t>2013/6/23</a:t>
+              <a:t>2017/3/5</a:t>
             </a:fld>
             <a:endParaRPr kumimoji="1" lang="ja-JP" altLang="en-US"/>
           </a:p>
@@ -6964,7 +6981,7 @@
           <a:p>
             <a:fld id="{E90ED720-0104-4369-84BC-D37694168613}" type="datetimeFigureOut">
               <a:rPr kumimoji="1" lang="ja-JP" altLang="en-US" smtClean="0"/>
-              <a:t>2013/6/23</a:t>
+              <a:t>2017/3/5</a:t>
             </a:fld>
             <a:endParaRPr kumimoji="1" lang="ja-JP" altLang="en-US"/>
           </a:p>
@@ -8675,7 +8692,7 @@
           <a:p>
             <a:fld id="{E90ED720-0104-4369-84BC-D37694168613}" type="datetimeFigureOut">
               <a:rPr kumimoji="1" lang="ja-JP" altLang="en-US" smtClean="0"/>
-              <a:t>2013/6/23</a:t>
+              <a:t>2017/3/5</a:t>
             </a:fld>
             <a:endParaRPr kumimoji="1" lang="ja-JP" altLang="en-US"/>
           </a:p>
@@ -8826,7 +8843,7 @@
           <a:p>
             <a:fld id="{E90ED720-0104-4369-84BC-D37694168613}" type="datetimeFigureOut">
               <a:rPr kumimoji="1" lang="ja-JP" altLang="en-US" smtClean="0"/>
-              <a:t>2013/6/23</a:t>
+              <a:t>2017/3/5</a:t>
             </a:fld>
             <a:endParaRPr kumimoji="1" lang="ja-JP" altLang="en-US"/>
           </a:p>
@@ -12473,7 +12490,7 @@
           <a:p>
             <a:fld id="{E90ED720-0104-4369-84BC-D37694168613}" type="datetimeFigureOut">
               <a:rPr kumimoji="1" lang="ja-JP" altLang="en-US" smtClean="0"/>
-              <a:t>2013/6/23</a:t>
+              <a:t>2017/3/5</a:t>
             </a:fld>
             <a:endParaRPr kumimoji="1" lang="ja-JP" altLang="en-US"/>
           </a:p>
@@ -14332,7 +14349,7 @@
           <a:p>
             <a:fld id="{E90ED720-0104-4369-84BC-D37694168613}" type="datetimeFigureOut">
               <a:rPr kumimoji="1" lang="ja-JP" altLang="en-US" smtClean="0"/>
-              <a:t>2013/6/23</a:t>
+              <a:t>2017/3/5</a:t>
             </a:fld>
             <a:endParaRPr kumimoji="1" lang="ja-JP" altLang="en-US"/>
           </a:p>
@@ -18851,7 +18868,7 @@
         </p:spPr>
         <p:txBody>
           <a:bodyPr>
-            <a:normAutofit lnSpcReduction="10000"/>
+            <a:normAutofit/>
           </a:bodyPr>
           <a:lstStyle/>
           <a:p>
@@ -18866,6 +18883,17 @@
             <a:r>
               <a:rPr kumimoji="1" lang="ja-JP" altLang="en-US" dirty="0" smtClean="0"/>
               <a:t>ソフト</a:t>
+            </a:r>
+            <a:endParaRPr kumimoji="1" lang="en-US" altLang="ja-JP" dirty="0" smtClean="0"/>
+          </a:p>
+          <a:p>
+            <a:r>
+              <a:rPr lang="ja-JP" altLang="en-US" dirty="0" smtClean="0"/>
+              <a:t>できるこ</a:t>
+            </a:r>
+            <a:r>
+              <a:rPr lang="ja-JP" altLang="en-US" dirty="0"/>
+              <a:t>と</a:t>
             </a:r>
             <a:endParaRPr kumimoji="1" lang="en-US" altLang="ja-JP" dirty="0" smtClean="0"/>
           </a:p>
@@ -18906,58 +18934,26 @@
           <a:p>
             <a:r>
               <a:rPr lang="ja-JP" altLang="en-US" dirty="0"/>
-              <a:t>開発環境</a:t>
+              <a:t>開発</a:t>
+            </a:r>
+            <a:r>
+              <a:rPr lang="ja-JP" altLang="en-US" dirty="0" smtClean="0"/>
+              <a:t>環境と言語</a:t>
             </a:r>
             <a:r>
               <a:rPr lang="en-US" altLang="ja-JP" dirty="0" smtClean="0"/>
-              <a:t>: Visual Studio 2010/2012 C#</a:t>
-            </a:r>
-          </a:p>
-          <a:p>
-            <a:pPr lvl="1"/>
-            <a:r>
-              <a:rPr lang="ja-JP" altLang="en-US" dirty="0" smtClean="0"/>
-              <a:t>ソースコード変更には</a:t>
+              <a:t>: Visual Studio, C#</a:t>
+            </a:r>
+          </a:p>
+          <a:p>
+            <a:r>
+              <a:rPr kumimoji="1" lang="ja-JP" altLang="en-US" dirty="0" smtClean="0"/>
+              <a:t>ライセンスは</a:t>
             </a:r>
             <a:r>
               <a:rPr lang="en-US" altLang="ja-JP" dirty="0" smtClean="0"/>
-              <a:t>Professional</a:t>
-            </a:r>
-            <a:r>
-              <a:rPr lang="ja-JP" altLang="en-US" dirty="0" smtClean="0"/>
-              <a:t>のライセンスがあった方が良い</a:t>
-            </a:r>
-            <a:endParaRPr lang="en-US" altLang="ja-JP" dirty="0" smtClean="0"/>
-          </a:p>
-          <a:p>
-            <a:r>
-              <a:rPr lang="ja-JP" altLang="en-US" dirty="0"/>
-              <a:t>動作に</a:t>
-            </a:r>
-            <a:r>
-              <a:rPr lang="ja-JP" altLang="en-US" dirty="0" smtClean="0"/>
-              <a:t>は</a:t>
-            </a:r>
-            <a:r>
-              <a:rPr lang="en-US" altLang="ja-JP" dirty="0" smtClean="0"/>
-              <a:t>.NET Framework 4.0</a:t>
-            </a:r>
-            <a:r>
-              <a:rPr lang="ja-JP" altLang="en-US" dirty="0" smtClean="0"/>
-              <a:t>が必要</a:t>
-            </a:r>
-            <a:endParaRPr lang="en-US" altLang="ja-JP" dirty="0"/>
-          </a:p>
-          <a:p>
-            <a:r>
-              <a:rPr kumimoji="1" lang="ja-JP" altLang="en-US" dirty="0" smtClean="0"/>
-              <a:t>ライセンスは修正</a:t>
-            </a:r>
-            <a:r>
-              <a:rPr kumimoji="1" lang="en-US" altLang="ja-JP" dirty="0" smtClean="0"/>
-              <a:t>BSD</a:t>
-            </a:r>
-            <a:endParaRPr kumimoji="1" lang="ja-JP" altLang="en-US" dirty="0"/>
+              <a:t>MIT</a:t>
+            </a:r>
           </a:p>
         </p:txBody>
       </p:sp>
@@ -21169,6 +21165,122 @@
       </p:grpSpPr>
       <p:sp>
         <p:nvSpPr>
+          <p:cNvPr id="2" name="コンテンツ プレースホルダー 1"/>
+          <p:cNvSpPr>
+            <a:spLocks noGrp="1"/>
+          </p:cNvSpPr>
+          <p:nvPr>
+            <p:ph idx="1"/>
+          </p:nvPr>
+        </p:nvSpPr>
+        <p:spPr/>
+        <p:txBody>
+          <a:bodyPr/>
+          <a:lstStyle/>
+          <a:p>
+            <a:pPr marL="0" indent="0">
+              <a:buNone/>
+            </a:pPr>
+            <a:r>
+              <a:rPr lang="ja-JP" altLang="en-US" dirty="0" smtClean="0"/>
+              <a:t>デフォルトでは以下の通り</a:t>
+            </a:r>
+            <a:endParaRPr lang="en-US" altLang="ja-JP" dirty="0" smtClean="0"/>
+          </a:p>
+          <a:p>
+            <a:r>
+              <a:rPr lang="ja-JP" altLang="en-US" dirty="0" smtClean="0"/>
+              <a:t>中間層数</a:t>
+            </a:r>
+            <a:r>
+              <a:rPr lang="ja-JP" altLang="en-US" dirty="0"/>
+              <a:t>は</a:t>
+            </a:r>
+            <a:r>
+              <a:rPr lang="en-US" altLang="ja-JP" dirty="0"/>
+              <a:t>1</a:t>
+            </a:r>
+            <a:r>
+              <a:rPr lang="ja-JP" altLang="en-US" dirty="0"/>
+              <a:t>つ</a:t>
+            </a:r>
+            <a:endParaRPr lang="en-US" altLang="ja-JP" dirty="0"/>
+          </a:p>
+          <a:p>
+            <a:r>
+              <a:rPr lang="ja-JP" altLang="en-US" dirty="0"/>
+              <a:t>中間層のユニット数は</a:t>
+            </a:r>
+            <a:r>
+              <a:rPr lang="en-US" altLang="ja-JP" dirty="0"/>
+              <a:t>15</a:t>
+            </a:r>
+            <a:r>
+              <a:rPr lang="ja-JP" altLang="en-US" dirty="0"/>
+              <a:t>個</a:t>
+            </a:r>
+            <a:endParaRPr lang="en-US" altLang="ja-JP" dirty="0"/>
+          </a:p>
+          <a:p>
+            <a:endParaRPr kumimoji="1" lang="ja-JP" altLang="en-US" dirty="0"/>
+          </a:p>
+        </p:txBody>
+      </p:sp>
+      <p:sp>
+        <p:nvSpPr>
+          <p:cNvPr id="3" name="タイトル 2"/>
+          <p:cNvSpPr>
+            <a:spLocks noGrp="1"/>
+          </p:cNvSpPr>
+          <p:nvPr>
+            <p:ph type="title"/>
+          </p:nvPr>
+        </p:nvSpPr>
+        <p:spPr/>
+        <p:txBody>
+          <a:bodyPr/>
+          <a:lstStyle/>
+          <a:p>
+            <a:r>
+              <a:rPr kumimoji="1" lang="ja-JP" altLang="en-US" dirty="0" smtClean="0"/>
+              <a:t>ニューラルネットの構成</a:t>
+            </a:r>
+            <a:endParaRPr kumimoji="1" lang="ja-JP" altLang="en-US" dirty="0"/>
+          </a:p>
+        </p:txBody>
+      </p:sp>
+    </p:spTree>
+    <p:extLst>
+      <p:ext uri="{BB962C8B-B14F-4D97-AF65-F5344CB8AC3E}">
+        <p14:creationId xmlns:p14="http://schemas.microsoft.com/office/powerpoint/2010/main" val="2970785402"/>
+      </p:ext>
+    </p:extLst>
+  </p:cSld>
+  <p:clrMapOvr>
+    <a:masterClrMapping/>
+  </p:clrMapOvr>
+</p:sld>
+</file>
+
+<file path=ppt/slides/slide26.xml><?xml version="1.0" encoding="utf-8"?>
+<p:sld xmlns:a="http://schemas.openxmlformats.org/drawingml/2006/main" xmlns:r="http://schemas.openxmlformats.org/officeDocument/2006/relationships" xmlns:p="http://schemas.openxmlformats.org/presentationml/2006/main">
+  <p:cSld>
+    <p:spTree>
+      <p:nvGrpSpPr>
+        <p:cNvPr id="1" name=""/>
+        <p:cNvGrpSpPr/>
+        <p:nvPr/>
+      </p:nvGrpSpPr>
+      <p:grpSpPr>
+        <a:xfrm>
+          <a:off x="0" y="0"/>
+          <a:ext cx="0" cy="0"/>
+          <a:chOff x="0" y="0"/>
+          <a:chExt cx="0" cy="0"/>
+        </a:xfrm>
+      </p:grpSpPr>
+      <p:sp>
+        <p:nvSpPr>
           <p:cNvPr id="3" name="コンテンツ プレースホルダー 2"/>
           <p:cNvSpPr>
             <a:spLocks noGrp="1"/>
@@ -21380,7 +21492,7 @@
 </p:sld>
 </file>
 
-<file path=ppt/slides/slide26.xml><?xml version="1.0" encoding="utf-8"?>
+<file path=ppt/slides/slide27.xml><?xml version="1.0" encoding="utf-8"?>
 <p:sld xmlns:a="http://schemas.openxmlformats.org/drawingml/2006/main" xmlns:r="http://schemas.openxmlformats.org/officeDocument/2006/relationships" xmlns:p="http://schemas.openxmlformats.org/presentationml/2006/main">
   <p:cSld>
     <p:spTree>
@@ -21589,7 +21701,7 @@
 </p:sld>
 </file>
 
-<file path=ppt/slides/slide27.xml><?xml version="1.0" encoding="utf-8"?>
+<file path=ppt/slides/slide28.xml><?xml version="1.0" encoding="utf-8"?>
 <p:sld xmlns:a="http://schemas.openxmlformats.org/drawingml/2006/main" xmlns:r="http://schemas.openxmlformats.org/officeDocument/2006/relationships" xmlns:p="http://schemas.openxmlformats.org/presentationml/2006/main">
   <p:cSld>
     <p:spTree>
